--- a/challenge_6/challenge6_9.pptx
+++ b/challenge_6/challenge6_9.pptx
@@ -105,6 +105,11 @@
       </a:defRPr>
     </a:lvl9pPr>
   </p:defaultTextStyle>
+  <p:extLst>
+    <p:ext uri="{EFAFB233-063F-42B5-8137-9DF3F51BA10A}">
+      <p15:sldGuideLst xmlns:p15="http://schemas.microsoft.com/office/powerpoint/2012/main"/>
+    </p:ext>
+  </p:extLst>
 </p:presentation>
 </file>
 
@@ -3278,7 +3283,7 @@
       </p:sp>
       <p:pic>
         <p:nvPicPr>
-          <p:cNvPr id="6" name="図 5"/>
+          <p:cNvPr id="2" name="図 1"/>
           <p:cNvPicPr>
             <a:picLocks noChangeAspect="1"/>
           </p:cNvPicPr>
@@ -3298,8 +3303,8 @@
         </p:blipFill>
         <p:spPr>
           <a:xfrm>
-            <a:off x="2751827" y="1690688"/>
-            <a:ext cx="5189004" cy="5167312"/>
+            <a:off x="3088888" y="1690688"/>
+            <a:ext cx="5776333" cy="4933136"/>
           </a:xfrm>
           <a:prstGeom prst="rect">
             <a:avLst/>
@@ -3361,7 +3366,7 @@
       </p:sp>
       <p:pic>
         <p:nvPicPr>
-          <p:cNvPr id="3" name="図 2"/>
+          <p:cNvPr id="5" name="図 4"/>
           <p:cNvPicPr>
             <a:picLocks noChangeAspect="1"/>
           </p:cNvPicPr>
@@ -3381,38 +3386,8 @@
         </p:blipFill>
         <p:spPr>
           <a:xfrm>
-            <a:off x="1393381" y="1690688"/>
-            <a:ext cx="3963623" cy="5106927"/>
-          </a:xfrm>
-          <a:prstGeom prst="rect">
-            <a:avLst/>
-          </a:prstGeom>
-        </p:spPr>
-      </p:pic>
-      <p:pic>
-        <p:nvPicPr>
-          <p:cNvPr id="4" name="図 3"/>
-          <p:cNvPicPr>
-            <a:picLocks noChangeAspect="1"/>
-          </p:cNvPicPr>
-          <p:nvPr/>
-        </p:nvPicPr>
-        <p:blipFill>
-          <a:blip r:embed="rId3">
-            <a:extLst>
-              <a:ext uri="{28A0092B-C50C-407E-A947-70E740481C1C}">
-                <a14:useLocalDpi xmlns:a14="http://schemas.microsoft.com/office/drawing/2010/main" val="0"/>
-              </a:ext>
-            </a:extLst>
-          </a:blip>
-          <a:stretch>
-            <a:fillRect/>
-          </a:stretch>
-        </p:blipFill>
-        <p:spPr>
-          <a:xfrm>
-            <a:off x="6096000" y="1690687"/>
-            <a:ext cx="4057291" cy="5106927"/>
+            <a:off x="3601844" y="1690688"/>
+            <a:ext cx="5352585" cy="5078102"/>
           </a:xfrm>
           <a:prstGeom prst="rect">
             <a:avLst/>
